--- a/_freeze/static/material.pptx
+++ b/_freeze/static/material.pptx
@@ -6,6 +6,7 @@
   </p:sldMasterIdLst>
   <p:sldIdLst>
     <p:sldId id="256" r:id="rId2"/>
+    <p:sldId id="257" r:id="rId3"/>
   </p:sldIdLst>
   <p:sldSz cx="12192000" cy="6858000"/>
   <p:notesSz cx="6858000" cy="9144000"/>
@@ -104,6 +105,11 @@
       </a:defRPr>
     </a:lvl9pPr>
   </p:defaultTextStyle>
+  <p:extLst>
+    <p:ext uri="{EFAFB233-063F-42B5-8137-9DF3F51BA10A}">
+      <p15:sldGuideLst xmlns:p15="http://schemas.microsoft.com/office/powerpoint/2012/main"/>
+    </p:ext>
+  </p:extLst>
 </p:presentation>
 </file>
 
@@ -254,7 +260,7 @@
           <a:p>
             <a:fld id="{B31F3EB5-3A85-4CEC-9102-CEC390DC42B9}" type="datetimeFigureOut">
               <a:rPr lang="ko-KR" altLang="en-US" smtClean="0"/>
-              <a:t>2023-02-12</a:t>
+              <a:t>2023-04-14</a:t>
             </a:fld>
             <a:endParaRPr lang="ko-KR" altLang="en-US"/>
           </a:p>
@@ -452,7 +458,7 @@
           <a:p>
             <a:fld id="{B31F3EB5-3A85-4CEC-9102-CEC390DC42B9}" type="datetimeFigureOut">
               <a:rPr lang="ko-KR" altLang="en-US" smtClean="0"/>
-              <a:t>2023-02-12</a:t>
+              <a:t>2023-04-14</a:t>
             </a:fld>
             <a:endParaRPr lang="ko-KR" altLang="en-US"/>
           </a:p>
@@ -660,7 +666,7 @@
           <a:p>
             <a:fld id="{B31F3EB5-3A85-4CEC-9102-CEC390DC42B9}" type="datetimeFigureOut">
               <a:rPr lang="ko-KR" altLang="en-US" smtClean="0"/>
-              <a:t>2023-02-12</a:t>
+              <a:t>2023-04-14</a:t>
             </a:fld>
             <a:endParaRPr lang="ko-KR" altLang="en-US"/>
           </a:p>
@@ -858,7 +864,7 @@
           <a:p>
             <a:fld id="{B31F3EB5-3A85-4CEC-9102-CEC390DC42B9}" type="datetimeFigureOut">
               <a:rPr lang="ko-KR" altLang="en-US" smtClean="0"/>
-              <a:t>2023-02-12</a:t>
+              <a:t>2023-04-14</a:t>
             </a:fld>
             <a:endParaRPr lang="ko-KR" altLang="en-US"/>
           </a:p>
@@ -1133,7 +1139,7 @@
           <a:p>
             <a:fld id="{B31F3EB5-3A85-4CEC-9102-CEC390DC42B9}" type="datetimeFigureOut">
               <a:rPr lang="ko-KR" altLang="en-US" smtClean="0"/>
-              <a:t>2023-02-12</a:t>
+              <a:t>2023-04-14</a:t>
             </a:fld>
             <a:endParaRPr lang="ko-KR" altLang="en-US"/>
           </a:p>
@@ -1398,7 +1404,7 @@
           <a:p>
             <a:fld id="{B31F3EB5-3A85-4CEC-9102-CEC390DC42B9}" type="datetimeFigureOut">
               <a:rPr lang="ko-KR" altLang="en-US" smtClean="0"/>
-              <a:t>2023-02-12</a:t>
+              <a:t>2023-04-14</a:t>
             </a:fld>
             <a:endParaRPr lang="ko-KR" altLang="en-US"/>
           </a:p>
@@ -1810,7 +1816,7 @@
           <a:p>
             <a:fld id="{B31F3EB5-3A85-4CEC-9102-CEC390DC42B9}" type="datetimeFigureOut">
               <a:rPr lang="ko-KR" altLang="en-US" smtClean="0"/>
-              <a:t>2023-02-12</a:t>
+              <a:t>2023-04-14</a:t>
             </a:fld>
             <a:endParaRPr lang="ko-KR" altLang="en-US"/>
           </a:p>
@@ -1951,7 +1957,7 @@
           <a:p>
             <a:fld id="{B31F3EB5-3A85-4CEC-9102-CEC390DC42B9}" type="datetimeFigureOut">
               <a:rPr lang="ko-KR" altLang="en-US" smtClean="0"/>
-              <a:t>2023-02-12</a:t>
+              <a:t>2023-04-14</a:t>
             </a:fld>
             <a:endParaRPr lang="ko-KR" altLang="en-US"/>
           </a:p>
@@ -2064,7 +2070,7 @@
           <a:p>
             <a:fld id="{B31F3EB5-3A85-4CEC-9102-CEC390DC42B9}" type="datetimeFigureOut">
               <a:rPr lang="ko-KR" altLang="en-US" smtClean="0"/>
-              <a:t>2023-02-12</a:t>
+              <a:t>2023-04-14</a:t>
             </a:fld>
             <a:endParaRPr lang="ko-KR" altLang="en-US"/>
           </a:p>
@@ -2375,7 +2381,7 @@
           <a:p>
             <a:fld id="{B31F3EB5-3A85-4CEC-9102-CEC390DC42B9}" type="datetimeFigureOut">
               <a:rPr lang="ko-KR" altLang="en-US" smtClean="0"/>
-              <a:t>2023-02-12</a:t>
+              <a:t>2023-04-14</a:t>
             </a:fld>
             <a:endParaRPr lang="ko-KR" altLang="en-US"/>
           </a:p>
@@ -2663,7 +2669,7 @@
           <a:p>
             <a:fld id="{B31F3EB5-3A85-4CEC-9102-CEC390DC42B9}" type="datetimeFigureOut">
               <a:rPr lang="ko-KR" altLang="en-US" smtClean="0"/>
-              <a:t>2023-02-12</a:t>
+              <a:t>2023-04-14</a:t>
             </a:fld>
             <a:endParaRPr lang="ko-KR" altLang="en-US"/>
           </a:p>
@@ -2904,7 +2910,7 @@
           <a:p>
             <a:fld id="{B31F3EB5-3A85-4CEC-9102-CEC390DC42B9}" type="datetimeFigureOut">
               <a:rPr lang="ko-KR" altLang="en-US" smtClean="0"/>
-              <a:t>2023-02-12</a:t>
+              <a:t>2023-04-14</a:t>
             </a:fld>
             <a:endParaRPr lang="ko-KR" altLang="en-US"/>
           </a:p>
@@ -4549,6 +4555,691 @@
 </p:sld>
 </file>
 
+<file path=ppt/slides/slide2.xml><?xml version="1.0" encoding="utf-8"?>
+<p:sld xmlns:a="http://schemas.openxmlformats.org/drawingml/2006/main" xmlns:r="http://schemas.openxmlformats.org/officeDocument/2006/relationships" xmlns:p="http://schemas.openxmlformats.org/presentationml/2006/main">
+  <p:cSld>
+    <p:spTree>
+      <p:nvGrpSpPr>
+        <p:cNvPr id="1" name=""/>
+        <p:cNvGrpSpPr/>
+        <p:nvPr/>
+      </p:nvGrpSpPr>
+      <p:grpSpPr>
+        <a:xfrm>
+          <a:off x="0" y="0"/>
+          <a:ext cx="0" cy="0"/>
+          <a:chOff x="0" y="0"/>
+          <a:chExt cx="0" cy="0"/>
+        </a:xfrm>
+      </p:grpSpPr>
+      <p:sp>
+        <p:nvSpPr>
+          <p:cNvPr id="2" name="사각형: 둥근 모서리 1">
+            <a:extLst>
+              <a:ext uri="{FF2B5EF4-FFF2-40B4-BE49-F238E27FC236}">
+                <a16:creationId xmlns:a16="http://schemas.microsoft.com/office/drawing/2014/main" id="{781E5CFB-7626-6BBE-318D-EB7861872E32}"/>
+              </a:ext>
+            </a:extLst>
+          </p:cNvPr>
+          <p:cNvSpPr/>
+          <p:nvPr/>
+        </p:nvSpPr>
+        <p:spPr>
+          <a:xfrm>
+            <a:off x="5391738" y="1034836"/>
+            <a:ext cx="2312001" cy="666000"/>
+          </a:xfrm>
+          <a:prstGeom prst="roundRect">
+            <a:avLst>
+              <a:gd name="adj" fmla="val 23447"/>
+            </a:avLst>
+          </a:prstGeom>
+          <a:ln w="12700"/>
+        </p:spPr>
+        <p:style>
+          <a:lnRef idx="2">
+            <a:schemeClr val="dk1"/>
+          </a:lnRef>
+          <a:fillRef idx="1">
+            <a:schemeClr val="lt1"/>
+          </a:fillRef>
+          <a:effectRef idx="0">
+            <a:schemeClr val="dk1"/>
+          </a:effectRef>
+          <a:fontRef idx="minor">
+            <a:schemeClr val="dk1"/>
+          </a:fontRef>
+        </p:style>
+        <p:txBody>
+          <a:bodyPr rtlCol="0" anchor="ctr"/>
+          <a:lstStyle/>
+          <a:p>
+            <a:pPr marL="0" marR="0" lvl="0" indent="0" algn="ctr" defTabSz="914400" rtl="0" eaLnBrk="1" fontAlgn="auto" latinLnBrk="1" hangingPunct="1">
+              <a:lnSpc>
+                <a:spcPct val="100000"/>
+              </a:lnSpc>
+              <a:spcBef>
+                <a:spcPts val="0"/>
+              </a:spcBef>
+              <a:spcAft>
+                <a:spcPts val="0"/>
+              </a:spcAft>
+              <a:buClrTx/>
+              <a:buSzTx/>
+              <a:buFontTx/>
+              <a:buNone/>
+              <a:tabLst/>
+              <a:defRPr/>
+            </a:pPr>
+            <a:r>
+              <a:rPr lang="ko-KR" altLang="en-US" dirty="0">
+                <a:solidFill>
+                  <a:prstClr val="black"/>
+                </a:solidFill>
+                <a:latin typeface="a고딕15" panose="02020600000000000000" pitchFamily="18" charset="-127"/>
+                <a:ea typeface="a고딕15" panose="02020600000000000000" pitchFamily="18" charset="-127"/>
+              </a:rPr>
+              <a:t>토픽모델링</a:t>
+            </a:r>
+            <a:r>
+              <a:rPr lang="en-US" altLang="ko-KR" dirty="0">
+                <a:solidFill>
+                  <a:prstClr val="black"/>
+                </a:solidFill>
+                <a:latin typeface="a고딕15" panose="02020600000000000000" pitchFamily="18" charset="-127"/>
+                <a:ea typeface="a고딕15" panose="02020600000000000000" pitchFamily="18" charset="-127"/>
+              </a:rPr>
+              <a:t>(STM)</a:t>
+            </a:r>
+            <a:endParaRPr kumimoji="0" lang="en-US" altLang="ko-KR" sz="1800" b="0" i="0" u="none" strike="noStrike" kern="1200" cap="none" spc="0" normalizeH="0" baseline="0" noProof="0" dirty="0">
+              <a:ln>
+                <a:noFill/>
+              </a:ln>
+              <a:solidFill>
+                <a:prstClr val="black"/>
+              </a:solidFill>
+              <a:effectLst/>
+              <a:uLnTx/>
+              <a:uFillTx/>
+              <a:latin typeface="a고딕15" panose="02020600000000000000" pitchFamily="18" charset="-127"/>
+              <a:ea typeface="a고딕15" panose="02020600000000000000" pitchFamily="18" charset="-127"/>
+              <a:cs typeface="+mn-cs"/>
+            </a:endParaRPr>
+          </a:p>
+          <a:p>
+            <a:pPr marL="0" marR="0" lvl="0" indent="0" algn="ctr" defTabSz="914400" rtl="0" eaLnBrk="1" fontAlgn="auto" latinLnBrk="1" hangingPunct="1">
+              <a:lnSpc>
+                <a:spcPct val="100000"/>
+              </a:lnSpc>
+              <a:spcBef>
+                <a:spcPts val="0"/>
+              </a:spcBef>
+              <a:spcAft>
+                <a:spcPts val="0"/>
+              </a:spcAft>
+              <a:buClrTx/>
+              <a:buSzTx/>
+              <a:buFontTx/>
+              <a:buNone/>
+              <a:tabLst/>
+              <a:defRPr/>
+            </a:pPr>
+            <a:r>
+              <a:rPr lang="ko-KR" altLang="en-US" sz="1200" dirty="0">
+                <a:solidFill>
+                  <a:prstClr val="black"/>
+                </a:solidFill>
+                <a:latin typeface="a고딕13" panose="02020600000000000000" pitchFamily="18" charset="-127"/>
+                <a:ea typeface="a고딕13" panose="02020600000000000000" pitchFamily="18" charset="-127"/>
+              </a:rPr>
+              <a:t>주제 개수 </a:t>
+            </a:r>
+            <a:r>
+              <a:rPr lang="en-US" altLang="ko-KR" sz="1200" dirty="0">
+                <a:solidFill>
+                  <a:prstClr val="black"/>
+                </a:solidFill>
+                <a:latin typeface="a고딕13" panose="02020600000000000000" pitchFamily="18" charset="-127"/>
+                <a:ea typeface="a고딕13" panose="02020600000000000000" pitchFamily="18" charset="-127"/>
+              </a:rPr>
+              <a:t>2~50</a:t>
+            </a:r>
+            <a:r>
+              <a:rPr lang="ko-KR" altLang="en-US" sz="1200" dirty="0">
+                <a:solidFill>
+                  <a:prstClr val="black"/>
+                </a:solidFill>
+                <a:latin typeface="a고딕13" panose="02020600000000000000" pitchFamily="18" charset="-127"/>
+                <a:ea typeface="a고딕13" panose="02020600000000000000" pitchFamily="18" charset="-127"/>
+              </a:rPr>
+              <a:t>개 차례로 모델링</a:t>
+            </a:r>
+            <a:endParaRPr lang="ko-KR" altLang="en-US" dirty="0">
+              <a:latin typeface="a고딕15" panose="02020600000000000000" pitchFamily="18" charset="-127"/>
+              <a:ea typeface="a고딕15" panose="02020600000000000000" pitchFamily="18" charset="-127"/>
+            </a:endParaRPr>
+          </a:p>
+        </p:txBody>
+      </p:sp>
+      <p:sp>
+        <p:nvSpPr>
+          <p:cNvPr id="3" name="사각형: 둥근 모서리 2">
+            <a:extLst>
+              <a:ext uri="{FF2B5EF4-FFF2-40B4-BE49-F238E27FC236}">
+                <a16:creationId xmlns:a16="http://schemas.microsoft.com/office/drawing/2014/main" id="{9266E2F1-9096-06F7-AD81-EF4A1D8F6348}"/>
+              </a:ext>
+            </a:extLst>
+          </p:cNvPr>
+          <p:cNvSpPr/>
+          <p:nvPr/>
+        </p:nvSpPr>
+        <p:spPr>
+          <a:xfrm>
+            <a:off x="2821893" y="1034836"/>
+            <a:ext cx="2312001" cy="666000"/>
+          </a:xfrm>
+          <a:prstGeom prst="roundRect">
+            <a:avLst>
+              <a:gd name="adj" fmla="val 23447"/>
+            </a:avLst>
+          </a:prstGeom>
+          <a:ln w="12700"/>
+        </p:spPr>
+        <p:style>
+          <a:lnRef idx="2">
+            <a:schemeClr val="dk1"/>
+          </a:lnRef>
+          <a:fillRef idx="1">
+            <a:schemeClr val="lt1"/>
+          </a:fillRef>
+          <a:effectRef idx="0">
+            <a:schemeClr val="dk1"/>
+          </a:effectRef>
+          <a:fontRef idx="minor">
+            <a:schemeClr val="dk1"/>
+          </a:fontRef>
+        </p:style>
+        <p:txBody>
+          <a:bodyPr rtlCol="0" anchor="ctr"/>
+          <a:lstStyle/>
+          <a:p>
+            <a:pPr algn="ctr"/>
+            <a:r>
+              <a:rPr lang="ko-KR" altLang="en-US" dirty="0">
+                <a:latin typeface="a고딕15" panose="02020600000000000000" pitchFamily="18" charset="-127"/>
+                <a:ea typeface="a고딕15" panose="02020600000000000000" pitchFamily="18" charset="-127"/>
+              </a:rPr>
+              <a:t>문서</a:t>
+            </a:r>
+            <a:r>
+              <a:rPr lang="en-US" altLang="ko-KR" dirty="0">
+                <a:latin typeface="a고딕15" panose="02020600000000000000" pitchFamily="18" charset="-127"/>
+                <a:ea typeface="a고딕15" panose="02020600000000000000" pitchFamily="18" charset="-127"/>
+              </a:rPr>
+              <a:t> </a:t>
+            </a:r>
+            <a:r>
+              <a:rPr lang="ko-KR" altLang="en-US" dirty="0">
+                <a:latin typeface="a고딕15" panose="02020600000000000000" pitchFamily="18" charset="-127"/>
+                <a:ea typeface="a고딕15" panose="02020600000000000000" pitchFamily="18" charset="-127"/>
+              </a:rPr>
+              <a:t>전처리</a:t>
+            </a:r>
+            <a:endParaRPr lang="en-US" altLang="ko-KR" dirty="0">
+              <a:latin typeface="a고딕15" panose="02020600000000000000" pitchFamily="18" charset="-127"/>
+              <a:ea typeface="a고딕15" panose="02020600000000000000" pitchFamily="18" charset="-127"/>
+            </a:endParaRPr>
+          </a:p>
+          <a:p>
+            <a:pPr algn="ctr"/>
+            <a:r>
+              <a:rPr lang="ko-KR" altLang="en-US" sz="1200" dirty="0">
+                <a:latin typeface="a고딕13" panose="02020600000000000000" pitchFamily="18" charset="-127"/>
+                <a:ea typeface="a고딕13" panose="02020600000000000000" pitchFamily="18" charset="-127"/>
+              </a:rPr>
+              <a:t>희소단어</a:t>
+            </a:r>
+            <a:r>
+              <a:rPr lang="en-US" altLang="ko-KR" sz="1200" dirty="0">
+                <a:latin typeface="a고딕13" panose="02020600000000000000" pitchFamily="18" charset="-127"/>
+                <a:ea typeface="a고딕13" panose="02020600000000000000" pitchFamily="18" charset="-127"/>
+              </a:rPr>
+              <a:t> </a:t>
+            </a:r>
+            <a:r>
+              <a:rPr lang="ko-KR" altLang="en-US" sz="1200" dirty="0">
+                <a:latin typeface="a고딕13" panose="02020600000000000000" pitchFamily="18" charset="-127"/>
+                <a:ea typeface="a고딕13" panose="02020600000000000000" pitchFamily="18" charset="-127"/>
+              </a:rPr>
+              <a:t>제거</a:t>
+            </a:r>
+            <a:r>
+              <a:rPr lang="en-US" altLang="ko-KR" sz="1200" dirty="0">
+                <a:latin typeface="a고딕13" panose="02020600000000000000" pitchFamily="18" charset="-127"/>
+                <a:ea typeface="a고딕13" panose="02020600000000000000" pitchFamily="18" charset="-127"/>
+              </a:rPr>
+              <a:t>, </a:t>
+            </a:r>
+            <a:r>
+              <a:rPr lang="ko-KR" altLang="en-US" sz="1200" dirty="0">
+                <a:latin typeface="a고딕13" panose="02020600000000000000" pitchFamily="18" charset="-127"/>
+                <a:ea typeface="a고딕13" panose="02020600000000000000" pitchFamily="18" charset="-127"/>
+              </a:rPr>
+              <a:t>샘플</a:t>
+            </a:r>
+            <a:r>
+              <a:rPr lang="en-US" altLang="ko-KR" sz="1200" dirty="0">
+                <a:latin typeface="a고딕13" panose="02020600000000000000" pitchFamily="18" charset="-127"/>
+                <a:ea typeface="a고딕13" panose="02020600000000000000" pitchFamily="18" charset="-127"/>
+              </a:rPr>
+              <a:t> </a:t>
+            </a:r>
+            <a:r>
+              <a:rPr lang="ko-KR" altLang="en-US" sz="1200" dirty="0">
+                <a:latin typeface="a고딕13" panose="02020600000000000000" pitchFamily="18" charset="-127"/>
+                <a:ea typeface="a고딕13" panose="02020600000000000000" pitchFamily="18" charset="-127"/>
+              </a:rPr>
+              <a:t>추출</a:t>
+            </a:r>
+            <a:r>
+              <a:rPr lang="en-US" altLang="ko-KR" sz="1200" dirty="0">
+                <a:latin typeface="a고딕13" panose="02020600000000000000" pitchFamily="18" charset="-127"/>
+                <a:ea typeface="a고딕13" panose="02020600000000000000" pitchFamily="18" charset="-127"/>
+              </a:rPr>
+              <a:t> </a:t>
+            </a:r>
+            <a:r>
+              <a:rPr lang="ko-KR" altLang="en-US" sz="1200" dirty="0">
+                <a:latin typeface="a고딕13" panose="02020600000000000000" pitchFamily="18" charset="-127"/>
+                <a:ea typeface="a고딕13" panose="02020600000000000000" pitchFamily="18" charset="-127"/>
+              </a:rPr>
+              <a:t>등</a:t>
+            </a:r>
+            <a:endParaRPr lang="en-US" altLang="ko-KR" sz="1200" dirty="0">
+              <a:latin typeface="a고딕13" panose="02020600000000000000" pitchFamily="18" charset="-127"/>
+              <a:ea typeface="a고딕13" panose="02020600000000000000" pitchFamily="18" charset="-127"/>
+            </a:endParaRPr>
+          </a:p>
+        </p:txBody>
+      </p:sp>
+      <p:cxnSp>
+        <p:nvCxnSpPr>
+          <p:cNvPr id="4" name="직선 화살표 연결선 3">
+            <a:extLst>
+              <a:ext uri="{FF2B5EF4-FFF2-40B4-BE49-F238E27FC236}">
+                <a16:creationId xmlns:a16="http://schemas.microsoft.com/office/drawing/2014/main" id="{3FADE321-6B83-5C46-E17C-FA090F9636E3}"/>
+              </a:ext>
+            </a:extLst>
+          </p:cNvPr>
+          <p:cNvCxnSpPr>
+            <a:cxnSpLocks/>
+            <a:stCxn id="3" idx="3"/>
+            <a:endCxn id="2" idx="1"/>
+          </p:cNvCxnSpPr>
+          <p:nvPr/>
+        </p:nvCxnSpPr>
+        <p:spPr>
+          <a:xfrm>
+            <a:off x="5133894" y="1367836"/>
+            <a:ext cx="257844" cy="0"/>
+          </a:xfrm>
+          <a:prstGeom prst="straightConnector1">
+            <a:avLst/>
+          </a:prstGeom>
+          <a:ln w="12700">
+            <a:tailEnd type="triangle"/>
+          </a:ln>
+        </p:spPr>
+        <p:style>
+          <a:lnRef idx="1">
+            <a:schemeClr val="dk1"/>
+          </a:lnRef>
+          <a:fillRef idx="0">
+            <a:schemeClr val="dk1"/>
+          </a:fillRef>
+          <a:effectRef idx="0">
+            <a:schemeClr val="dk1"/>
+          </a:effectRef>
+          <a:fontRef idx="minor">
+            <a:schemeClr val="tx1"/>
+          </a:fontRef>
+        </p:style>
+      </p:cxnSp>
+      <p:sp>
+        <p:nvSpPr>
+          <p:cNvPr id="7" name="사각형: 둥근 모서리 6">
+            <a:extLst>
+              <a:ext uri="{FF2B5EF4-FFF2-40B4-BE49-F238E27FC236}">
+                <a16:creationId xmlns:a16="http://schemas.microsoft.com/office/drawing/2014/main" id="{EBED25FC-F4E6-1CF4-ABD2-BDF089412B3F}"/>
+              </a:ext>
+            </a:extLst>
+          </p:cNvPr>
+          <p:cNvSpPr/>
+          <p:nvPr/>
+        </p:nvSpPr>
+        <p:spPr>
+          <a:xfrm>
+            <a:off x="2821892" y="2074834"/>
+            <a:ext cx="2312001" cy="666000"/>
+          </a:xfrm>
+          <a:prstGeom prst="roundRect">
+            <a:avLst>
+              <a:gd name="adj" fmla="val 23447"/>
+            </a:avLst>
+          </a:prstGeom>
+          <a:ln w="12700"/>
+        </p:spPr>
+        <p:style>
+          <a:lnRef idx="2">
+            <a:schemeClr val="dk1"/>
+          </a:lnRef>
+          <a:fillRef idx="1">
+            <a:schemeClr val="lt1"/>
+          </a:fillRef>
+          <a:effectRef idx="0">
+            <a:schemeClr val="dk1"/>
+          </a:effectRef>
+          <a:fontRef idx="minor">
+            <a:schemeClr val="dk1"/>
+          </a:fontRef>
+        </p:style>
+        <p:txBody>
+          <a:bodyPr rtlCol="0" anchor="ctr"/>
+          <a:lstStyle/>
+          <a:p>
+            <a:pPr marL="0" marR="0" lvl="0" indent="0" algn="ctr" defTabSz="914400" rtl="0" eaLnBrk="1" fontAlgn="auto" latinLnBrk="1" hangingPunct="1">
+              <a:lnSpc>
+                <a:spcPct val="100000"/>
+              </a:lnSpc>
+              <a:spcBef>
+                <a:spcPts val="0"/>
+              </a:spcBef>
+              <a:spcAft>
+                <a:spcPts val="0"/>
+              </a:spcAft>
+              <a:buClrTx/>
+              <a:buSzTx/>
+              <a:buFontTx/>
+              <a:buNone/>
+              <a:tabLst/>
+              <a:defRPr/>
+            </a:pPr>
+            <a:r>
+              <a:rPr lang="ko-KR" altLang="en-US" dirty="0">
+                <a:solidFill>
+                  <a:prstClr val="black"/>
+                </a:solidFill>
+                <a:latin typeface="a고딕15" panose="02020600000000000000" pitchFamily="18" charset="-127"/>
+                <a:ea typeface="a고딕15" panose="02020600000000000000" pitchFamily="18" charset="-127"/>
+              </a:rPr>
+              <a:t>주제 개수 확정</a:t>
+            </a:r>
+            <a:endParaRPr kumimoji="0" lang="en-US" altLang="ko-KR" sz="1800" b="0" i="0" u="none" strike="noStrike" kern="1200" cap="none" spc="0" normalizeH="0" baseline="0" noProof="0" dirty="0">
+              <a:ln>
+                <a:noFill/>
+              </a:ln>
+              <a:solidFill>
+                <a:prstClr val="black"/>
+              </a:solidFill>
+              <a:effectLst/>
+              <a:uLnTx/>
+              <a:uFillTx/>
+              <a:latin typeface="a고딕15" panose="02020600000000000000" pitchFamily="18" charset="-127"/>
+              <a:ea typeface="a고딕15" panose="02020600000000000000" pitchFamily="18" charset="-127"/>
+              <a:cs typeface="+mn-cs"/>
+            </a:endParaRPr>
+          </a:p>
+          <a:p>
+            <a:pPr marL="0" marR="0" lvl="0" indent="0" algn="ctr" defTabSz="914400" rtl="0" eaLnBrk="1" fontAlgn="auto" latinLnBrk="1" hangingPunct="1">
+              <a:lnSpc>
+                <a:spcPct val="100000"/>
+              </a:lnSpc>
+              <a:spcBef>
+                <a:spcPts val="0"/>
+              </a:spcBef>
+              <a:spcAft>
+                <a:spcPts val="0"/>
+              </a:spcAft>
+              <a:buClrTx/>
+              <a:buSzTx/>
+              <a:buFontTx/>
+              <a:buNone/>
+              <a:tabLst/>
+              <a:defRPr/>
+            </a:pPr>
+            <a:r>
+              <a:rPr lang="ko-KR" altLang="en-US" sz="1200" dirty="0">
+                <a:solidFill>
+                  <a:prstClr val="black"/>
+                </a:solidFill>
+                <a:latin typeface="a고딕13" panose="02020600000000000000" pitchFamily="18" charset="-127"/>
+                <a:ea typeface="a고딕13" panose="02020600000000000000" pitchFamily="18" charset="-127"/>
+              </a:rPr>
+              <a:t>일관성</a:t>
+            </a:r>
+            <a:r>
+              <a:rPr lang="en-US" altLang="ko-KR" sz="1200" dirty="0">
+                <a:solidFill>
+                  <a:prstClr val="black"/>
+                </a:solidFill>
+                <a:latin typeface="a고딕13" panose="02020600000000000000" pitchFamily="18" charset="-127"/>
+                <a:ea typeface="a고딕13" panose="02020600000000000000" pitchFamily="18" charset="-127"/>
+              </a:rPr>
+              <a:t>, </a:t>
+            </a:r>
+            <a:r>
+              <a:rPr lang="ko-KR" altLang="en-US" sz="1200" dirty="0" err="1">
+                <a:solidFill>
+                  <a:prstClr val="black"/>
+                </a:solidFill>
+                <a:latin typeface="a고딕13" panose="02020600000000000000" pitchFamily="18" charset="-127"/>
+                <a:ea typeface="a고딕13" panose="02020600000000000000" pitchFamily="18" charset="-127"/>
+              </a:rPr>
+              <a:t>잔차</a:t>
+            </a:r>
+            <a:r>
+              <a:rPr lang="ko-KR" altLang="en-US" sz="1200" dirty="0">
+                <a:solidFill>
+                  <a:prstClr val="black"/>
+                </a:solidFill>
+                <a:latin typeface="a고딕13" panose="02020600000000000000" pitchFamily="18" charset="-127"/>
+                <a:ea typeface="a고딕13" panose="02020600000000000000" pitchFamily="18" charset="-127"/>
+              </a:rPr>
+              <a:t> 등 비교</a:t>
+            </a:r>
+            <a:endParaRPr lang="ko-KR" altLang="en-US" dirty="0">
+              <a:latin typeface="a고딕15" panose="02020600000000000000" pitchFamily="18" charset="-127"/>
+              <a:ea typeface="a고딕15" panose="02020600000000000000" pitchFamily="18" charset="-127"/>
+            </a:endParaRPr>
+          </a:p>
+        </p:txBody>
+      </p:sp>
+      <p:cxnSp>
+        <p:nvCxnSpPr>
+          <p:cNvPr id="26" name="연결선: 꺾임 25">
+            <a:extLst>
+              <a:ext uri="{FF2B5EF4-FFF2-40B4-BE49-F238E27FC236}">
+                <a16:creationId xmlns:a16="http://schemas.microsoft.com/office/drawing/2014/main" id="{FF3E98A4-A63A-D07D-12EC-6B99D710E362}"/>
+              </a:ext>
+            </a:extLst>
+          </p:cNvPr>
+          <p:cNvCxnSpPr>
+            <a:cxnSpLocks/>
+            <a:stCxn id="2" idx="2"/>
+            <a:endCxn id="7" idx="3"/>
+          </p:cNvCxnSpPr>
+          <p:nvPr/>
+        </p:nvCxnSpPr>
+        <p:spPr>
+          <a:xfrm rot="5400000">
+            <a:off x="5487317" y="1347412"/>
+            <a:ext cx="706998" cy="1413846"/>
+          </a:xfrm>
+          <a:prstGeom prst="bentConnector2">
+            <a:avLst/>
+          </a:prstGeom>
+          <a:ln w="12700">
+            <a:solidFill>
+              <a:schemeClr val="tx1"/>
+            </a:solidFill>
+            <a:tailEnd type="triangle"/>
+          </a:ln>
+        </p:spPr>
+        <p:style>
+          <a:lnRef idx="1">
+            <a:schemeClr val="accent1"/>
+          </a:lnRef>
+          <a:fillRef idx="0">
+            <a:schemeClr val="accent1"/>
+          </a:fillRef>
+          <a:effectRef idx="0">
+            <a:schemeClr val="accent1"/>
+          </a:effectRef>
+          <a:fontRef idx="minor">
+            <a:schemeClr val="tx1"/>
+          </a:fontRef>
+        </p:style>
+      </p:cxnSp>
+      <p:sp>
+        <p:nvSpPr>
+          <p:cNvPr id="29" name="화살표: 원형 28">
+            <a:extLst>
+              <a:ext uri="{FF2B5EF4-FFF2-40B4-BE49-F238E27FC236}">
+                <a16:creationId xmlns:a16="http://schemas.microsoft.com/office/drawing/2014/main" id="{08D418C9-7507-11A2-A718-6859C884F1D0}"/>
+              </a:ext>
+            </a:extLst>
+          </p:cNvPr>
+          <p:cNvSpPr/>
+          <p:nvPr/>
+        </p:nvSpPr>
+        <p:spPr>
+          <a:xfrm rot="9545994">
+            <a:off x="6267999" y="488631"/>
+            <a:ext cx="559477" cy="536365"/>
+          </a:xfrm>
+          <a:prstGeom prst="circularArrow">
+            <a:avLst>
+              <a:gd name="adj1" fmla="val 12500"/>
+              <a:gd name="adj2" fmla="val 1105221"/>
+              <a:gd name="adj3" fmla="val 20457681"/>
+              <a:gd name="adj4" fmla="val 2849369"/>
+              <a:gd name="adj5" fmla="val 18489"/>
+            </a:avLst>
+          </a:prstGeom>
+          <a:ln>
+            <a:noFill/>
+          </a:ln>
+        </p:spPr>
+        <p:style>
+          <a:lnRef idx="2">
+            <a:schemeClr val="dk1">
+              <a:shade val="50000"/>
+            </a:schemeClr>
+          </a:lnRef>
+          <a:fillRef idx="1">
+            <a:schemeClr val="dk1"/>
+          </a:fillRef>
+          <a:effectRef idx="0">
+            <a:schemeClr val="dk1"/>
+          </a:effectRef>
+          <a:fontRef idx="minor">
+            <a:schemeClr val="lt1"/>
+          </a:fontRef>
+        </p:style>
+        <p:txBody>
+          <a:bodyPr rtlCol="0" anchor="ctr"/>
+          <a:lstStyle/>
+          <a:p>
+            <a:pPr algn="ctr"/>
+            <a:endParaRPr lang="ko-KR" altLang="en-US" dirty="0">
+              <a:ln w="0"/>
+              <a:solidFill>
+                <a:schemeClr val="tx1"/>
+              </a:solidFill>
+              <a:effectLst>
+                <a:outerShdw blurRad="38100" dist="19050" dir="2700000" algn="tl" rotWithShape="0">
+                  <a:schemeClr val="dk1">
+                    <a:alpha val="40000"/>
+                  </a:schemeClr>
+                </a:outerShdw>
+              </a:effectLst>
+            </a:endParaRPr>
+          </a:p>
+        </p:txBody>
+      </p:sp>
+      <p:pic>
+        <p:nvPicPr>
+          <p:cNvPr id="42" name="그림 41">
+            <a:extLst>
+              <a:ext uri="{FF2B5EF4-FFF2-40B4-BE49-F238E27FC236}">
+                <a16:creationId xmlns:a16="http://schemas.microsoft.com/office/drawing/2014/main" id="{C92DC52B-E1E8-4574-0258-CFE38B2D4650}"/>
+              </a:ext>
+            </a:extLst>
+          </p:cNvPr>
+          <p:cNvPicPr>
+            <a:picLocks noChangeAspect="1"/>
+          </p:cNvPicPr>
+          <p:nvPr/>
+        </p:nvPicPr>
+        <p:blipFill>
+          <a:blip r:embed="rId2"/>
+          <a:stretch>
+            <a:fillRect/>
+          </a:stretch>
+        </p:blipFill>
+        <p:spPr>
+          <a:xfrm>
+            <a:off x="3303790" y="4113832"/>
+            <a:ext cx="5584420" cy="1719221"/>
+          </a:xfrm>
+          <a:prstGeom prst="rect">
+            <a:avLst/>
+          </a:prstGeom>
+        </p:spPr>
+      </p:pic>
+      <p:pic>
+        <p:nvPicPr>
+          <p:cNvPr id="55" name="그림 54">
+            <a:extLst>
+              <a:ext uri="{FF2B5EF4-FFF2-40B4-BE49-F238E27FC236}">
+                <a16:creationId xmlns:a16="http://schemas.microsoft.com/office/drawing/2014/main" id="{25FE49AD-0CB0-CEAC-21B3-66768D5B78DB}"/>
+              </a:ext>
+            </a:extLst>
+          </p:cNvPr>
+          <p:cNvPicPr>
+            <a:picLocks noChangeAspect="1"/>
+          </p:cNvPicPr>
+          <p:nvPr/>
+        </p:nvPicPr>
+        <p:blipFill>
+          <a:blip r:embed="rId3"/>
+          <a:stretch>
+            <a:fillRect/>
+          </a:stretch>
+        </p:blipFill>
+        <p:spPr>
+          <a:xfrm>
+            <a:off x="3648243" y="-3086100"/>
+            <a:ext cx="16939789" cy="7615523"/>
+          </a:xfrm>
+          <a:prstGeom prst="rect">
+            <a:avLst/>
+          </a:prstGeom>
+        </p:spPr>
+      </p:pic>
+    </p:spTree>
+    <p:extLst>
+      <p:ext uri="{BB962C8B-B14F-4D97-AF65-F5344CB8AC3E}">
+        <p14:creationId xmlns:p14="http://schemas.microsoft.com/office/powerpoint/2010/main" val="2624994537"/>
+      </p:ext>
+    </p:extLst>
+  </p:cSld>
+  <p:clrMapOvr>
+    <a:masterClrMapping/>
+  </p:clrMapOvr>
+</p:sld>
+</file>
+
 <file path=ppt/theme/theme1.xml><?xml version="1.0" encoding="utf-8"?>
 <a:theme xmlns:a="http://schemas.openxmlformats.org/drawingml/2006/main" name="Office 테마">
   <a:themeElements>
